--- a/unexeshell/tmp_use/python_l/0/p0.pptx
+++ b/unexeshell/tmp_use/python_l/0/p0.pptx
@@ -8,6 +8,11 @@
     <p:sldId id="256" r:id="rId3"/>
     <p:sldId id="257" r:id="rId4"/>
     <p:sldId id="258" r:id="rId5"/>
+    <p:sldId id="259" r:id="rId6"/>
+    <p:sldId id="260" r:id="rId7"/>
+    <p:sldId id="261" r:id="rId8"/>
+    <p:sldId id="262" r:id="rId9"/>
+    <p:sldId id="263" r:id="rId10"/>
   </p:sldIdLst>
   <p:sldSz cx="10080625" cy="7559675"/>
   <p:notesSz cx="7559675" cy="10691812"/>
@@ -55,7 +60,7 @@
       </p:grpSpPr>
       <p:sp>
         <p:nvSpPr>
-          <p:cNvPr id="26" name="PlaceHolder 1"/>
+          <p:cNvPr id="23" name="PlaceHolder 1"/>
           <p:cNvSpPr>
             <a:spLocks noGrp="1"/>
           </p:cNvSpPr>
@@ -66,7 +71,7 @@
         <p:spPr>
           <a:xfrm>
             <a:off x="504000" y="301320"/>
-            <a:ext cx="9071640" cy="1262520"/>
+            <a:ext cx="9071280" cy="1262520"/>
           </a:xfrm>
           <a:prstGeom prst="rect">
             <a:avLst/>
@@ -82,7 +87,7 @@
       </p:sp>
       <p:sp>
         <p:nvSpPr>
-          <p:cNvPr id="27" name="PlaceHolder 2"/>
+          <p:cNvPr id="24" name="PlaceHolder 2"/>
           <p:cNvSpPr>
             <a:spLocks noGrp="1"/>
           </p:cNvSpPr>
@@ -93,7 +98,7 @@
         <p:spPr>
           <a:xfrm>
             <a:off x="504000" y="1769040"/>
-            <a:ext cx="9071640" cy="2091240"/>
+            <a:ext cx="9071280" cy="2090880"/>
           </a:xfrm>
           <a:prstGeom prst="rect">
             <a:avLst/>
@@ -108,7 +113,7 @@
       </p:sp>
       <p:sp>
         <p:nvSpPr>
-          <p:cNvPr id="28" name="PlaceHolder 3"/>
+          <p:cNvPr id="25" name="PlaceHolder 3"/>
           <p:cNvSpPr>
             <a:spLocks noGrp="1"/>
           </p:cNvSpPr>
@@ -118,8 +123,8 @@
         </p:nvSpPr>
         <p:spPr>
           <a:xfrm>
-            <a:off x="504000" y="4059360"/>
-            <a:ext cx="9071640" cy="2091240"/>
+            <a:off x="504000" y="4059000"/>
+            <a:ext cx="9071280" cy="2090880"/>
           </a:xfrm>
           <a:prstGeom prst="rect">
             <a:avLst/>
@@ -156,7 +161,7 @@
       </p:grpSpPr>
       <p:sp>
         <p:nvSpPr>
-          <p:cNvPr id="29" name="PlaceHolder 1"/>
+          <p:cNvPr id="26" name="PlaceHolder 1"/>
           <p:cNvSpPr>
             <a:spLocks noGrp="1"/>
           </p:cNvSpPr>
@@ -167,7 +172,7 @@
         <p:spPr>
           <a:xfrm>
             <a:off x="504000" y="301320"/>
-            <a:ext cx="9071640" cy="1262520"/>
+            <a:ext cx="9071280" cy="1262520"/>
           </a:xfrm>
           <a:prstGeom prst="rect">
             <a:avLst/>
@@ -183,7 +188,7 @@
       </p:sp>
       <p:sp>
         <p:nvSpPr>
-          <p:cNvPr id="30" name="PlaceHolder 2"/>
+          <p:cNvPr id="27" name="PlaceHolder 2"/>
           <p:cNvSpPr>
             <a:spLocks noGrp="1"/>
           </p:cNvSpPr>
@@ -194,7 +199,7 @@
         <p:spPr>
           <a:xfrm>
             <a:off x="504000" y="1769040"/>
-            <a:ext cx="4426920" cy="2091240"/>
+            <a:ext cx="4426560" cy="2090880"/>
           </a:xfrm>
           <a:prstGeom prst="rect">
             <a:avLst/>
@@ -209,7 +214,7 @@
       </p:sp>
       <p:sp>
         <p:nvSpPr>
-          <p:cNvPr id="31" name="PlaceHolder 3"/>
+          <p:cNvPr id="28" name="PlaceHolder 3"/>
           <p:cNvSpPr>
             <a:spLocks noGrp="1"/>
           </p:cNvSpPr>
@@ -219,8 +224,8 @@
         </p:nvSpPr>
         <p:spPr>
           <a:xfrm>
-            <a:off x="5152680" y="1769040"/>
-            <a:ext cx="4426920" cy="2091240"/>
+            <a:off x="5152320" y="1769040"/>
+            <a:ext cx="4426560" cy="2090880"/>
           </a:xfrm>
           <a:prstGeom prst="rect">
             <a:avLst/>
@@ -235,7 +240,7 @@
       </p:sp>
       <p:sp>
         <p:nvSpPr>
-          <p:cNvPr id="32" name="PlaceHolder 4"/>
+          <p:cNvPr id="29" name="PlaceHolder 4"/>
           <p:cNvSpPr>
             <a:spLocks noGrp="1"/>
           </p:cNvSpPr>
@@ -245,8 +250,8 @@
         </p:nvSpPr>
         <p:spPr>
           <a:xfrm>
-            <a:off x="5152680" y="4059360"/>
-            <a:ext cx="4426920" cy="2091240"/>
+            <a:off x="5152320" y="4059000"/>
+            <a:ext cx="4426560" cy="2090880"/>
           </a:xfrm>
           <a:prstGeom prst="rect">
             <a:avLst/>
@@ -261,7 +266,7 @@
       </p:sp>
       <p:sp>
         <p:nvSpPr>
-          <p:cNvPr id="33" name="PlaceHolder 5"/>
+          <p:cNvPr id="30" name="PlaceHolder 5"/>
           <p:cNvSpPr>
             <a:spLocks noGrp="1"/>
           </p:cNvSpPr>
@@ -271,8 +276,8 @@
         </p:nvSpPr>
         <p:spPr>
           <a:xfrm>
-            <a:off x="504000" y="4059360"/>
-            <a:ext cx="4426920" cy="2091240"/>
+            <a:off x="504000" y="4059000"/>
+            <a:ext cx="4426560" cy="2090880"/>
           </a:xfrm>
           <a:prstGeom prst="rect">
             <a:avLst/>
@@ -309,7 +314,7 @@
       </p:grpSpPr>
       <p:sp>
         <p:nvSpPr>
-          <p:cNvPr id="34" name="PlaceHolder 1"/>
+          <p:cNvPr id="31" name="PlaceHolder 1"/>
           <p:cNvSpPr>
             <a:spLocks noGrp="1"/>
           </p:cNvSpPr>
@@ -320,7 +325,7 @@
         <p:spPr>
           <a:xfrm>
             <a:off x="504000" y="301320"/>
-            <a:ext cx="9071640" cy="1262520"/>
+            <a:ext cx="9071280" cy="1262520"/>
           </a:xfrm>
           <a:prstGeom prst="rect">
             <a:avLst/>
@@ -336,7 +341,7 @@
       </p:sp>
       <p:sp>
         <p:nvSpPr>
-          <p:cNvPr id="35" name="PlaceHolder 2"/>
+          <p:cNvPr id="32" name="PlaceHolder 2"/>
           <p:cNvSpPr>
             <a:spLocks noGrp="1"/>
           </p:cNvSpPr>
@@ -347,7 +352,7 @@
         <p:spPr>
           <a:xfrm>
             <a:off x="504000" y="1769040"/>
-            <a:ext cx="9071640" cy="4384440"/>
+            <a:ext cx="9071280" cy="4384080"/>
           </a:xfrm>
           <a:prstGeom prst="rect">
             <a:avLst/>
@@ -362,7 +367,7 @@
       </p:sp>
       <p:sp>
         <p:nvSpPr>
-          <p:cNvPr id="36" name="PlaceHolder 3"/>
+          <p:cNvPr id="33" name="PlaceHolder 3"/>
           <p:cNvSpPr>
             <a:spLocks noGrp="1"/>
           </p:cNvSpPr>
@@ -373,7 +378,7 @@
         <p:spPr>
           <a:xfrm>
             <a:off x="504000" y="1769040"/>
-            <a:ext cx="9071640" cy="4384440"/>
+            <a:ext cx="9071280" cy="4384080"/>
           </a:xfrm>
           <a:prstGeom prst="rect">
             <a:avLst/>
@@ -388,7 +393,7 @@
       </p:sp>
       <p:pic>
         <p:nvPicPr>
-          <p:cNvPr id="37" name="" descr=""/>
+          <p:cNvPr id="34" name="" descr=""/>
           <p:cNvPicPr/>
           <p:nvPr/>
         </p:nvPicPr>
@@ -400,8 +405,8 @@
         </p:blipFill>
         <p:spPr>
           <a:xfrm>
-            <a:off x="2292120" y="1768680"/>
-            <a:ext cx="5495040" cy="4384440"/>
+            <a:off x="2292120" y="1769040"/>
+            <a:ext cx="5494680" cy="4384080"/>
           </a:xfrm>
           <a:prstGeom prst="rect">
             <a:avLst/>
@@ -413,7 +418,7 @@
       </p:pic>
       <p:pic>
         <p:nvPicPr>
-          <p:cNvPr id="38" name="" descr=""/>
+          <p:cNvPr id="35" name="" descr=""/>
           <p:cNvPicPr/>
           <p:nvPr/>
         </p:nvPicPr>
@@ -425,8 +430,8 @@
         </p:blipFill>
         <p:spPr>
           <a:xfrm>
-            <a:off x="2292120" y="1768680"/>
-            <a:ext cx="5495040" cy="4384440"/>
+            <a:off x="2292120" y="1769040"/>
+            <a:ext cx="5494680" cy="4384080"/>
           </a:xfrm>
           <a:prstGeom prst="rect">
             <a:avLst/>
@@ -460,7 +465,7 @@
       </p:grpSpPr>
       <p:sp>
         <p:nvSpPr>
-          <p:cNvPr id="5" name="PlaceHolder 1"/>
+          <p:cNvPr id="2" name="PlaceHolder 1"/>
           <p:cNvSpPr>
             <a:spLocks noGrp="1"/>
           </p:cNvSpPr>
@@ -471,7 +476,7 @@
         <p:spPr>
           <a:xfrm>
             <a:off x="504000" y="301320"/>
-            <a:ext cx="9071640" cy="1262520"/>
+            <a:ext cx="9071280" cy="1262520"/>
           </a:xfrm>
           <a:prstGeom prst="rect">
             <a:avLst/>
@@ -487,7 +492,7 @@
       </p:sp>
       <p:sp>
         <p:nvSpPr>
-          <p:cNvPr id="6" name="PlaceHolder 2"/>
+          <p:cNvPr id="3" name="PlaceHolder 2"/>
           <p:cNvSpPr>
             <a:spLocks noGrp="1"/>
           </p:cNvSpPr>
@@ -498,7 +503,7 @@
         <p:spPr>
           <a:xfrm>
             <a:off x="504000" y="1769040"/>
-            <a:ext cx="9071640" cy="4384800"/>
+            <a:ext cx="9071280" cy="4384440"/>
           </a:xfrm>
           <a:prstGeom prst="rect">
             <a:avLst/>
@@ -536,7 +541,7 @@
       </p:grpSpPr>
       <p:sp>
         <p:nvSpPr>
-          <p:cNvPr id="7" name="PlaceHolder 1"/>
+          <p:cNvPr id="4" name="PlaceHolder 1"/>
           <p:cNvSpPr>
             <a:spLocks noGrp="1"/>
           </p:cNvSpPr>
@@ -547,7 +552,7 @@
         <p:spPr>
           <a:xfrm>
             <a:off x="504000" y="301320"/>
-            <a:ext cx="9071640" cy="1262520"/>
+            <a:ext cx="9071280" cy="1262520"/>
           </a:xfrm>
           <a:prstGeom prst="rect">
             <a:avLst/>
@@ -563,7 +568,7 @@
       </p:sp>
       <p:sp>
         <p:nvSpPr>
-          <p:cNvPr id="8" name="PlaceHolder 2"/>
+          <p:cNvPr id="5" name="PlaceHolder 2"/>
           <p:cNvSpPr>
             <a:spLocks noGrp="1"/>
           </p:cNvSpPr>
@@ -574,7 +579,7 @@
         <p:spPr>
           <a:xfrm>
             <a:off x="504000" y="1769040"/>
-            <a:ext cx="9071640" cy="4384440"/>
+            <a:ext cx="9071280" cy="4384080"/>
           </a:xfrm>
           <a:prstGeom prst="rect">
             <a:avLst/>
@@ -611,7 +616,7 @@
       </p:grpSpPr>
       <p:sp>
         <p:nvSpPr>
-          <p:cNvPr id="9" name="PlaceHolder 1"/>
+          <p:cNvPr id="6" name="PlaceHolder 1"/>
           <p:cNvSpPr>
             <a:spLocks noGrp="1"/>
           </p:cNvSpPr>
@@ -622,7 +627,7 @@
         <p:spPr>
           <a:xfrm>
             <a:off x="504000" y="301320"/>
-            <a:ext cx="9071640" cy="1262520"/>
+            <a:ext cx="9071280" cy="1262520"/>
           </a:xfrm>
           <a:prstGeom prst="rect">
             <a:avLst/>
@@ -638,7 +643,7 @@
       </p:sp>
       <p:sp>
         <p:nvSpPr>
-          <p:cNvPr id="10" name="PlaceHolder 2"/>
+          <p:cNvPr id="7" name="PlaceHolder 2"/>
           <p:cNvSpPr>
             <a:spLocks noGrp="1"/>
           </p:cNvSpPr>
@@ -649,7 +654,7 @@
         <p:spPr>
           <a:xfrm>
             <a:off x="504000" y="1769040"/>
-            <a:ext cx="4426920" cy="4384440"/>
+            <a:ext cx="4426560" cy="4384080"/>
           </a:xfrm>
           <a:prstGeom prst="rect">
             <a:avLst/>
@@ -664,7 +669,7 @@
       </p:sp>
       <p:sp>
         <p:nvSpPr>
-          <p:cNvPr id="11" name="PlaceHolder 3"/>
+          <p:cNvPr id="8" name="PlaceHolder 3"/>
           <p:cNvSpPr>
             <a:spLocks noGrp="1"/>
           </p:cNvSpPr>
@@ -674,8 +679,8 @@
         </p:nvSpPr>
         <p:spPr>
           <a:xfrm>
-            <a:off x="5152680" y="1769040"/>
-            <a:ext cx="4426920" cy="4384440"/>
+            <a:off x="5152320" y="1769040"/>
+            <a:ext cx="4426560" cy="4384080"/>
           </a:xfrm>
           <a:prstGeom prst="rect">
             <a:avLst/>
@@ -712,7 +717,7 @@
       </p:grpSpPr>
       <p:sp>
         <p:nvSpPr>
-          <p:cNvPr id="12" name="PlaceHolder 1"/>
+          <p:cNvPr id="9" name="PlaceHolder 1"/>
           <p:cNvSpPr>
             <a:spLocks noGrp="1"/>
           </p:cNvSpPr>
@@ -723,7 +728,7 @@
         <p:spPr>
           <a:xfrm>
             <a:off x="504000" y="301320"/>
-            <a:ext cx="9071640" cy="1262520"/>
+            <a:ext cx="9071280" cy="1262520"/>
           </a:xfrm>
           <a:prstGeom prst="rect">
             <a:avLst/>
@@ -761,7 +766,7 @@
       </p:grpSpPr>
       <p:sp>
         <p:nvSpPr>
-          <p:cNvPr id="13" name="PlaceHolder 1"/>
+          <p:cNvPr id="10" name="PlaceHolder 1"/>
           <p:cNvSpPr>
             <a:spLocks noGrp="1"/>
           </p:cNvSpPr>
@@ -772,7 +777,7 @@
         <p:spPr>
           <a:xfrm>
             <a:off x="504000" y="301320"/>
-            <a:ext cx="9071640" cy="5852160"/>
+            <a:ext cx="9071280" cy="5852160"/>
           </a:xfrm>
           <a:prstGeom prst="rect">
             <a:avLst/>
@@ -810,7 +815,7 @@
       </p:grpSpPr>
       <p:sp>
         <p:nvSpPr>
-          <p:cNvPr id="14" name="PlaceHolder 1"/>
+          <p:cNvPr id="11" name="PlaceHolder 1"/>
           <p:cNvSpPr>
             <a:spLocks noGrp="1"/>
           </p:cNvSpPr>
@@ -821,7 +826,7 @@
         <p:spPr>
           <a:xfrm>
             <a:off x="504000" y="301320"/>
-            <a:ext cx="9071640" cy="1262520"/>
+            <a:ext cx="9071280" cy="1262520"/>
           </a:xfrm>
           <a:prstGeom prst="rect">
             <a:avLst/>
@@ -837,7 +842,7 @@
       </p:sp>
       <p:sp>
         <p:nvSpPr>
-          <p:cNvPr id="15" name="PlaceHolder 2"/>
+          <p:cNvPr id="12" name="PlaceHolder 2"/>
           <p:cNvSpPr>
             <a:spLocks noGrp="1"/>
           </p:cNvSpPr>
@@ -848,7 +853,7 @@
         <p:spPr>
           <a:xfrm>
             <a:off x="504000" y="1769040"/>
-            <a:ext cx="4426920" cy="2091240"/>
+            <a:ext cx="4426560" cy="2090880"/>
           </a:xfrm>
           <a:prstGeom prst="rect">
             <a:avLst/>
@@ -863,7 +868,7 @@
       </p:sp>
       <p:sp>
         <p:nvSpPr>
-          <p:cNvPr id="16" name="PlaceHolder 3"/>
+          <p:cNvPr id="13" name="PlaceHolder 3"/>
           <p:cNvSpPr>
             <a:spLocks noGrp="1"/>
           </p:cNvSpPr>
@@ -873,8 +878,8 @@
         </p:nvSpPr>
         <p:spPr>
           <a:xfrm>
-            <a:off x="504000" y="4059360"/>
-            <a:ext cx="4426920" cy="2091240"/>
+            <a:off x="504000" y="4059000"/>
+            <a:ext cx="4426560" cy="2090880"/>
           </a:xfrm>
           <a:prstGeom prst="rect">
             <a:avLst/>
@@ -889,7 +894,7 @@
       </p:sp>
       <p:sp>
         <p:nvSpPr>
-          <p:cNvPr id="17" name="PlaceHolder 4"/>
+          <p:cNvPr id="14" name="PlaceHolder 4"/>
           <p:cNvSpPr>
             <a:spLocks noGrp="1"/>
           </p:cNvSpPr>
@@ -899,8 +904,8 @@
         </p:nvSpPr>
         <p:spPr>
           <a:xfrm>
-            <a:off x="5152680" y="1769040"/>
-            <a:ext cx="4426920" cy="4384440"/>
+            <a:off x="5152320" y="1769040"/>
+            <a:ext cx="4426560" cy="4384080"/>
           </a:xfrm>
           <a:prstGeom prst="rect">
             <a:avLst/>
@@ -937,7 +942,7 @@
       </p:grpSpPr>
       <p:sp>
         <p:nvSpPr>
-          <p:cNvPr id="18" name="PlaceHolder 1"/>
+          <p:cNvPr id="15" name="PlaceHolder 1"/>
           <p:cNvSpPr>
             <a:spLocks noGrp="1"/>
           </p:cNvSpPr>
@@ -948,7 +953,7 @@
         <p:spPr>
           <a:xfrm>
             <a:off x="504000" y="301320"/>
-            <a:ext cx="9071640" cy="1262520"/>
+            <a:ext cx="9071280" cy="1262520"/>
           </a:xfrm>
           <a:prstGeom prst="rect">
             <a:avLst/>
@@ -964,7 +969,7 @@
       </p:sp>
       <p:sp>
         <p:nvSpPr>
-          <p:cNvPr id="19" name="PlaceHolder 2"/>
+          <p:cNvPr id="16" name="PlaceHolder 2"/>
           <p:cNvSpPr>
             <a:spLocks noGrp="1"/>
           </p:cNvSpPr>
@@ -975,7 +980,7 @@
         <p:spPr>
           <a:xfrm>
             <a:off x="504000" y="1769040"/>
-            <a:ext cx="4426920" cy="4384440"/>
+            <a:ext cx="4426560" cy="4384080"/>
           </a:xfrm>
           <a:prstGeom prst="rect">
             <a:avLst/>
@@ -990,7 +995,7 @@
       </p:sp>
       <p:sp>
         <p:nvSpPr>
-          <p:cNvPr id="20" name="PlaceHolder 3"/>
+          <p:cNvPr id="17" name="PlaceHolder 3"/>
           <p:cNvSpPr>
             <a:spLocks noGrp="1"/>
           </p:cNvSpPr>
@@ -1000,8 +1005,8 @@
         </p:nvSpPr>
         <p:spPr>
           <a:xfrm>
-            <a:off x="5152680" y="1769040"/>
-            <a:ext cx="4426920" cy="2091240"/>
+            <a:off x="5152320" y="1769040"/>
+            <a:ext cx="4426560" cy="2090880"/>
           </a:xfrm>
           <a:prstGeom prst="rect">
             <a:avLst/>
@@ -1016,7 +1021,7 @@
       </p:sp>
       <p:sp>
         <p:nvSpPr>
-          <p:cNvPr id="21" name="PlaceHolder 4"/>
+          <p:cNvPr id="18" name="PlaceHolder 4"/>
           <p:cNvSpPr>
             <a:spLocks noGrp="1"/>
           </p:cNvSpPr>
@@ -1026,8 +1031,8 @@
         </p:nvSpPr>
         <p:spPr>
           <a:xfrm>
-            <a:off x="5152680" y="4059360"/>
-            <a:ext cx="4426920" cy="2091240"/>
+            <a:off x="5152320" y="4059000"/>
+            <a:ext cx="4426560" cy="2090880"/>
           </a:xfrm>
           <a:prstGeom prst="rect">
             <a:avLst/>
@@ -1064,7 +1069,7 @@
       </p:grpSpPr>
       <p:sp>
         <p:nvSpPr>
-          <p:cNvPr id="22" name="PlaceHolder 1"/>
+          <p:cNvPr id="19" name="PlaceHolder 1"/>
           <p:cNvSpPr>
             <a:spLocks noGrp="1"/>
           </p:cNvSpPr>
@@ -1075,7 +1080,7 @@
         <p:spPr>
           <a:xfrm>
             <a:off x="504000" y="301320"/>
-            <a:ext cx="9071640" cy="1262520"/>
+            <a:ext cx="9071280" cy="1262520"/>
           </a:xfrm>
           <a:prstGeom prst="rect">
             <a:avLst/>
@@ -1091,7 +1096,7 @@
       </p:sp>
       <p:sp>
         <p:nvSpPr>
-          <p:cNvPr id="23" name="PlaceHolder 2"/>
+          <p:cNvPr id="20" name="PlaceHolder 2"/>
           <p:cNvSpPr>
             <a:spLocks noGrp="1"/>
           </p:cNvSpPr>
@@ -1102,7 +1107,7 @@
         <p:spPr>
           <a:xfrm>
             <a:off x="504000" y="1769040"/>
-            <a:ext cx="4426920" cy="2091240"/>
+            <a:ext cx="4426560" cy="2090880"/>
           </a:xfrm>
           <a:prstGeom prst="rect">
             <a:avLst/>
@@ -1117,7 +1122,7 @@
       </p:sp>
       <p:sp>
         <p:nvSpPr>
-          <p:cNvPr id="24" name="PlaceHolder 3"/>
+          <p:cNvPr id="21" name="PlaceHolder 3"/>
           <p:cNvSpPr>
             <a:spLocks noGrp="1"/>
           </p:cNvSpPr>
@@ -1127,8 +1132,8 @@
         </p:nvSpPr>
         <p:spPr>
           <a:xfrm>
-            <a:off x="5152680" y="1769040"/>
-            <a:ext cx="4426920" cy="2091240"/>
+            <a:off x="5152320" y="1769040"/>
+            <a:ext cx="4426560" cy="2090880"/>
           </a:xfrm>
           <a:prstGeom prst="rect">
             <a:avLst/>
@@ -1143,7 +1148,7 @@
       </p:sp>
       <p:sp>
         <p:nvSpPr>
-          <p:cNvPr id="25" name="PlaceHolder 4"/>
+          <p:cNvPr id="22" name="PlaceHolder 4"/>
           <p:cNvSpPr>
             <a:spLocks noGrp="1"/>
           </p:cNvSpPr>
@@ -1153,8 +1158,8 @@
         </p:nvSpPr>
         <p:spPr>
           <a:xfrm>
-            <a:off x="504000" y="4059360"/>
-            <a:ext cx="9071640" cy="2091240"/>
+            <a:off x="504000" y="4059000"/>
+            <a:ext cx="9071280" cy="2090880"/>
           </a:xfrm>
           <a:prstGeom prst="rect">
             <a:avLst/>
@@ -1202,7 +1207,7 @@
         <p:spPr>
           <a:xfrm>
             <a:off x="504000" y="301320"/>
-            <a:ext cx="9071640" cy="1262160"/>
+            <a:ext cx="9071280" cy="1262160"/>
           </a:xfrm>
           <a:prstGeom prst="rect">
             <a:avLst/>
@@ -1211,9 +1216,8 @@
         <p:txBody>
           <a:bodyPr lIns="0" rIns="0" tIns="0" bIns="0" anchor="ctr"/>
           <a:p>
-            <a:pPr algn="ctr"/>
-            <a:r>
-              <a:rPr lang="en-US" sz="4400">
+            <a:r>
+              <a:rPr lang="en-US">
                 <a:latin typeface="Arial"/>
               </a:rPr>
               <a:t>单击鼠标编辑标题文字格式</a:t>
@@ -1235,7 +1239,7 @@
         <p:spPr>
           <a:xfrm>
             <a:off x="504000" y="1769040"/>
-            <a:ext cx="9071640" cy="4384440"/>
+            <a:ext cx="9071280" cy="4384080"/>
           </a:xfrm>
           <a:prstGeom prst="rect">
             <a:avLst/>
@@ -1250,7 +1254,7 @@
               <a:buChar char=""/>
             </a:pPr>
             <a:r>
-              <a:rPr lang="en-US" sz="3200">
+              <a:rPr lang="en-US">
                 <a:latin typeface="Arial"/>
               </a:rPr>
               <a:t>单击鼠标编辑大纲文字格式</a:t>
@@ -1264,7 +1268,7 @@
               <a:buChar char=""/>
             </a:pPr>
             <a:r>
-              <a:rPr lang="en-US" sz="2800">
+              <a:rPr lang="en-US">
                 <a:latin typeface="Arial"/>
               </a:rPr>
               <a:t>第二个大纲级</a:t>
@@ -1278,7 +1282,7 @@
               <a:buChar char=""/>
             </a:pPr>
             <a:r>
-              <a:rPr lang="en-US" sz="2400">
+              <a:rPr lang="en-US">
                 <a:latin typeface="Arial"/>
               </a:rPr>
               <a:t>第三大纲级别</a:t>
@@ -1292,7 +1296,7 @@
               <a:buChar char=""/>
             </a:pPr>
             <a:r>
-              <a:rPr lang="en-US" sz="2000">
+              <a:rPr lang="en-US">
                 <a:latin typeface="Arial"/>
               </a:rPr>
               <a:t>第四大纲级别</a:t>
@@ -1306,7 +1310,7 @@
               <a:buChar char=""/>
             </a:pPr>
             <a:r>
-              <a:rPr lang="en-US" sz="2000">
+              <a:rPr lang="en-US">
                 <a:latin typeface="Arial"/>
               </a:rPr>
               <a:t>第五大纲级别</a:t>
@@ -1320,7 +1324,7 @@
               <a:buChar char=""/>
             </a:pPr>
             <a:r>
-              <a:rPr lang="en-US" sz="2000">
+              <a:rPr lang="en-US">
                 <a:latin typeface="Arial"/>
               </a:rPr>
               <a:t>第六大纲级别</a:t>
@@ -1334,109 +1338,11 @@
               <a:buChar char=""/>
             </a:pPr>
             <a:r>
-              <a:rPr lang="en-US" sz="2000">
+              <a:rPr lang="en-US">
                 <a:latin typeface="Arial"/>
               </a:rPr>
               <a:t>第七大纲级别</a:t>
             </a:r>
-            <a:endParaRPr/>
-          </a:p>
-        </p:txBody>
-      </p:sp>
-      <p:sp>
-        <p:nvSpPr>
-          <p:cNvPr id="2" name="PlaceHolder 3"/>
-          <p:cNvSpPr>
-            <a:spLocks noGrp="1"/>
-          </p:cNvSpPr>
-          <p:nvPr>
-            <p:ph type="dt"/>
-          </p:nvPr>
-        </p:nvSpPr>
-        <p:spPr>
-          <a:xfrm>
-            <a:off x="504000" y="6887160"/>
-            <a:ext cx="2348280" cy="521280"/>
-          </a:xfrm>
-          <a:prstGeom prst="rect">
-            <a:avLst/>
-          </a:prstGeom>
-        </p:spPr>
-        <p:txBody>
-          <a:bodyPr lIns="0" rIns="0" tIns="0" bIns="0"/>
-          <a:p>
-            <a:r>
-              <a:rPr lang="en-US" sz="1400">
-                <a:latin typeface="Times New Roman"/>
-              </a:rPr>
-              <a:t>&lt;日期/时间&gt;</a:t>
-            </a:r>
-            <a:endParaRPr/>
-          </a:p>
-        </p:txBody>
-      </p:sp>
-      <p:sp>
-        <p:nvSpPr>
-          <p:cNvPr id="3" name="PlaceHolder 4"/>
-          <p:cNvSpPr>
-            <a:spLocks noGrp="1"/>
-          </p:cNvSpPr>
-          <p:nvPr>
-            <p:ph type="ftr"/>
-          </p:nvPr>
-        </p:nvSpPr>
-        <p:spPr>
-          <a:xfrm>
-            <a:off x="3447360" y="6887160"/>
-            <a:ext cx="3195000" cy="521280"/>
-          </a:xfrm>
-          <a:prstGeom prst="rect">
-            <a:avLst/>
-          </a:prstGeom>
-        </p:spPr>
-        <p:txBody>
-          <a:bodyPr lIns="0" rIns="0" tIns="0" bIns="0"/>
-          <a:p>
-            <a:pPr algn="ctr"/>
-            <a:r>
-              <a:rPr lang="en-US" sz="1400">
-                <a:latin typeface="Times New Roman"/>
-              </a:rPr>
-              <a:t>&lt;页脚&gt;</a:t>
-            </a:r>
-            <a:endParaRPr/>
-          </a:p>
-        </p:txBody>
-      </p:sp>
-      <p:sp>
-        <p:nvSpPr>
-          <p:cNvPr id="4" name="PlaceHolder 5"/>
-          <p:cNvSpPr>
-            <a:spLocks noGrp="1"/>
-          </p:cNvSpPr>
-          <p:nvPr>
-            <p:ph type="sldNum"/>
-          </p:nvPr>
-        </p:nvSpPr>
-        <p:spPr>
-          <a:xfrm>
-            <a:off x="7227360" y="6887160"/>
-            <a:ext cx="2348280" cy="521280"/>
-          </a:xfrm>
-          <a:prstGeom prst="rect">
-            <a:avLst/>
-          </a:prstGeom>
-        </p:spPr>
-        <p:txBody>
-          <a:bodyPr lIns="0" rIns="0" tIns="0" bIns="0"/>
-          <a:p>
-            <a:pPr algn="r"/>
-            <a:fld id="{3648667B-2523-4744-8368-0CCA1A9F0D77}" type="slidenum">
-              <a:rPr lang="en-US" sz="1400">
-                <a:latin typeface="Times New Roman"/>
-              </a:rPr>
-              <a:t>&lt;编号&gt;</a:t>
-            </a:fld>
             <a:endParaRPr/>
           </a:p>
         </p:txBody>
@@ -1480,23 +1386,31 @@
       </p:grpSpPr>
       <p:sp>
         <p:nvSpPr>
-          <p:cNvPr id="39" name="TextShape 1"/>
-          <p:cNvSpPr txBox="1"/>
+          <p:cNvPr id="36" name="CustomShape 1"/>
+          <p:cNvSpPr/>
           <p:nvPr/>
         </p:nvSpPr>
         <p:spPr>
           <a:xfrm>
             <a:off x="504000" y="301320"/>
-            <a:ext cx="9071640" cy="1262160"/>
-          </a:xfrm>
-          <a:prstGeom prst="rect">
-            <a:avLst/>
-          </a:prstGeom>
+            <a:ext cx="9071280" cy="1261800"/>
+          </a:xfrm>
+          <a:prstGeom prst="rect">
+            <a:avLst/>
+          </a:prstGeom>
+          <a:noFill/>
+          <a:ln>
+            <a:noFill/>
+          </a:ln>
         </p:spPr>
         <p:txBody>
           <a:bodyPr lIns="0" rIns="0" tIns="0" bIns="0" anchor="ctr"/>
           <a:p>
-            <a:pPr algn="ctr"/>
+            <a:pPr algn="ctr">
+              <a:lnSpc>
+                <a:spcPct val="100000"/>
+              </a:lnSpc>
+            </a:pPr>
             <a:r>
               <a:rPr lang="en-US" sz="4400">
                 <a:latin typeface="Arial"/>
@@ -1509,26 +1423,33 @@
       </p:sp>
       <p:sp>
         <p:nvSpPr>
-          <p:cNvPr id="40" name="TextShape 2"/>
-          <p:cNvSpPr txBox="1"/>
+          <p:cNvPr id="37" name="CustomShape 2"/>
+          <p:cNvSpPr/>
           <p:nvPr/>
         </p:nvSpPr>
         <p:spPr>
           <a:xfrm>
             <a:off x="504000" y="1769040"/>
-            <a:ext cx="9071640" cy="4384440"/>
-          </a:xfrm>
-          <a:prstGeom prst="rect">
-            <a:avLst/>
-          </a:prstGeom>
+            <a:ext cx="9071280" cy="4384080"/>
+          </a:xfrm>
+          <a:prstGeom prst="rect">
+            <a:avLst/>
+          </a:prstGeom>
+          <a:noFill/>
+          <a:ln>
+            <a:noFill/>
+          </a:ln>
         </p:spPr>
         <p:txBody>
           <a:bodyPr lIns="0" rIns="0" tIns="0" bIns="0"/>
           <a:p>
             <a:pPr>
-              <a:buSzPct val="45000"/>
-              <a:buFont typeface="StarSymbol"/>
-              <a:buChar char=""/>
+              <a:lnSpc>
+                <a:spcPct val="100000"/>
+              </a:lnSpc>
+              <a:buSzPct val="45000"/>
+              <a:buFont typeface="StarSymbol"/>
+              <a:buChar char="l"/>
             </a:pPr>
             <a:r>
               <a:rPr lang="en-US" sz="3200">
@@ -1552,9 +1473,12 @@
           </a:p>
           <a:p>
             <a:pPr>
-              <a:buSzPct val="45000"/>
-              <a:buFont typeface="StarSymbol"/>
-              <a:buChar char=""/>
+              <a:lnSpc>
+                <a:spcPct val="100000"/>
+              </a:lnSpc>
+              <a:buSzPct val="45000"/>
+              <a:buFont typeface="StarSymbol"/>
+              <a:buChar char="l"/>
             </a:pPr>
             <a:r>
               <a:rPr lang="en-US" sz="3200">
@@ -1590,9 +1514,12 @@
           </a:p>
           <a:p>
             <a:pPr>
-              <a:buSzPct val="45000"/>
-              <a:buFont typeface="StarSymbol"/>
-              <a:buChar char=""/>
+              <a:lnSpc>
+                <a:spcPct val="100000"/>
+              </a:lnSpc>
+              <a:buSzPct val="45000"/>
+              <a:buFont typeface="StarSymbol"/>
+              <a:buChar char="l"/>
             </a:pPr>
             <a:r>
               <a:rPr lang="en-US" sz="3200">
@@ -1604,9 +1531,12 @@
           </a:p>
           <a:p>
             <a:pPr>
-              <a:buSzPct val="45000"/>
-              <a:buFont typeface="StarSymbol"/>
-              <a:buChar char=""/>
+              <a:lnSpc>
+                <a:spcPct val="100000"/>
+              </a:lnSpc>
+              <a:buSzPct val="45000"/>
+              <a:buFont typeface="StarSymbol"/>
+              <a:buChar char="l"/>
             </a:pPr>
             <a:r>
               <a:rPr lang="en-US" sz="3200">
@@ -1624,9 +1554,12 @@
           </a:p>
           <a:p>
             <a:pPr>
-              <a:buSzPct val="45000"/>
-              <a:buFont typeface="StarSymbol"/>
-              <a:buChar char=""/>
+              <a:lnSpc>
+                <a:spcPct val="100000"/>
+              </a:lnSpc>
+              <a:buSzPct val="45000"/>
+              <a:buFont typeface="StarSymbol"/>
+              <a:buChar char="l"/>
             </a:pPr>
             <a:r>
               <a:rPr lang="en-US" sz="3200">
@@ -1640,6 +1573,33 @@
       </p:sp>
     </p:spTree>
   </p:cSld>
+  <p:timing>
+    <p:tnLst>
+      <p:par>
+        <p:cTn id="1" dur="indefinite" restart="never" nodeType="tmRoot">
+          <p:childTnLst>
+            <p:seq>
+              <p:cTn id="2" nodeType="mainSeq"/>
+              <p:prevCondLst>
+                <p:cond delay="0" evt="onPrev">
+                  <p:tgtEl>
+                    <p:sldTgt/>
+                  </p:tgtEl>
+                </p:cond>
+              </p:prevCondLst>
+              <p:nextCondLst>
+                <p:cond delay="0" evt="onNext">
+                  <p:tgtEl>
+                    <p:sldTgt/>
+                  </p:tgtEl>
+                </p:cond>
+              </p:nextCondLst>
+            </p:seq>
+          </p:childTnLst>
+        </p:cTn>
+      </p:par>
+    </p:tnLst>
+  </p:timing>
 </p:sld>
 </file>
 
@@ -1662,23 +1622,31 @@
       </p:grpSpPr>
       <p:sp>
         <p:nvSpPr>
-          <p:cNvPr id="41" name="TextShape 1"/>
-          <p:cNvSpPr txBox="1"/>
+          <p:cNvPr id="38" name="CustomShape 1"/>
+          <p:cNvSpPr/>
           <p:nvPr/>
         </p:nvSpPr>
         <p:spPr>
           <a:xfrm>
             <a:off x="504000" y="301320"/>
-            <a:ext cx="9071640" cy="1262160"/>
-          </a:xfrm>
-          <a:prstGeom prst="rect">
-            <a:avLst/>
-          </a:prstGeom>
+            <a:ext cx="9071280" cy="1261800"/>
+          </a:xfrm>
+          <a:prstGeom prst="rect">
+            <a:avLst/>
+          </a:prstGeom>
+          <a:noFill/>
+          <a:ln>
+            <a:noFill/>
+          </a:ln>
         </p:spPr>
         <p:txBody>
           <a:bodyPr lIns="0" rIns="0" tIns="0" bIns="0" anchor="ctr"/>
           <a:p>
-            <a:pPr algn="ctr"/>
+            <a:pPr algn="ctr">
+              <a:lnSpc>
+                <a:spcPct val="100000"/>
+              </a:lnSpc>
+            </a:pPr>
             <a:r>
               <a:rPr lang="en-US" sz="4400">
                 <a:latin typeface="Arial"/>
@@ -1691,26 +1659,33 @@
       </p:sp>
       <p:sp>
         <p:nvSpPr>
-          <p:cNvPr id="42" name="TextShape 2"/>
-          <p:cNvSpPr txBox="1"/>
+          <p:cNvPr id="39" name="CustomShape 2"/>
+          <p:cNvSpPr/>
           <p:nvPr/>
         </p:nvSpPr>
         <p:spPr>
           <a:xfrm>
             <a:off x="504000" y="1769040"/>
-            <a:ext cx="9071640" cy="4384440"/>
-          </a:xfrm>
-          <a:prstGeom prst="rect">
-            <a:avLst/>
-          </a:prstGeom>
+            <a:ext cx="9071280" cy="4384080"/>
+          </a:xfrm>
+          <a:prstGeom prst="rect">
+            <a:avLst/>
+          </a:prstGeom>
+          <a:noFill/>
+          <a:ln>
+            <a:noFill/>
+          </a:ln>
         </p:spPr>
         <p:txBody>
           <a:bodyPr lIns="0" rIns="0" tIns="0" bIns="0"/>
           <a:p>
             <a:pPr>
-              <a:buSzPct val="45000"/>
-              <a:buFont typeface="StarSymbol"/>
-              <a:buChar char=""/>
+              <a:lnSpc>
+                <a:spcPct val="100000"/>
+              </a:lnSpc>
+              <a:buSzPct val="45000"/>
+              <a:buFont typeface="StarSymbol"/>
+              <a:buChar char="l"/>
             </a:pPr>
             <a:r>
               <a:rPr lang="en-US" sz="3200">
@@ -1722,9 +1697,12 @@
           </a:p>
           <a:p>
             <a:pPr>
-              <a:buSzPct val="45000"/>
-              <a:buFont typeface="StarSymbol"/>
-              <a:buChar char=""/>
+              <a:lnSpc>
+                <a:spcPct val="100000"/>
+              </a:lnSpc>
+              <a:buSzPct val="45000"/>
+              <a:buFont typeface="StarSymbol"/>
+              <a:buChar char="l"/>
             </a:pPr>
             <a:r>
               <a:rPr lang="en-US" sz="3200">
@@ -1736,9 +1714,12 @@
           </a:p>
           <a:p>
             <a:pPr>
-              <a:buSzPct val="45000"/>
-              <a:buFont typeface="StarSymbol"/>
-              <a:buChar char=""/>
+              <a:lnSpc>
+                <a:spcPct val="100000"/>
+              </a:lnSpc>
+              <a:buSzPct val="45000"/>
+              <a:buFont typeface="StarSymbol"/>
+              <a:buChar char="l"/>
             </a:pPr>
             <a:r>
               <a:rPr lang="en-US" sz="3200">
@@ -1758,6 +1739,33 @@
       </p:sp>
     </p:spTree>
   </p:cSld>
+  <p:timing>
+    <p:tnLst>
+      <p:par>
+        <p:cTn id="3" dur="indefinite" restart="never" nodeType="tmRoot">
+          <p:childTnLst>
+            <p:seq>
+              <p:cTn id="4" nodeType="mainSeq"/>
+              <p:prevCondLst>
+                <p:cond delay="0" evt="onPrev">
+                  <p:tgtEl>
+                    <p:sldTgt/>
+                  </p:tgtEl>
+                </p:cond>
+              </p:prevCondLst>
+              <p:nextCondLst>
+                <p:cond delay="0" evt="onNext">
+                  <p:tgtEl>
+                    <p:sldTgt/>
+                  </p:tgtEl>
+                </p:cond>
+              </p:nextCondLst>
+            </p:seq>
+          </p:childTnLst>
+        </p:cTn>
+      </p:par>
+    </p:tnLst>
+  </p:timing>
 </p:sld>
 </file>
 
@@ -1780,14 +1788,182 @@
       </p:grpSpPr>
       <p:sp>
         <p:nvSpPr>
-          <p:cNvPr id="43" name="TextShape 1"/>
+          <p:cNvPr id="40" name="CustomShape 1"/>
+          <p:cNvSpPr/>
+          <p:nvPr/>
+        </p:nvSpPr>
+        <p:spPr>
+          <a:xfrm>
+            <a:off x="504000" y="301320"/>
+            <a:ext cx="9071280" cy="1261800"/>
+          </a:xfrm>
+          <a:prstGeom prst="rect">
+            <a:avLst/>
+          </a:prstGeom>
+          <a:noFill/>
+          <a:ln>
+            <a:noFill/>
+          </a:ln>
+        </p:spPr>
+        <p:txBody>
+          <a:bodyPr lIns="0" rIns="0" tIns="0" bIns="0" anchor="ctr"/>
+          <a:p>
+            <a:pPr algn="ctr">
+              <a:lnSpc>
+                <a:spcPct val="100000"/>
+              </a:lnSpc>
+            </a:pPr>
+            <a:r>
+              <a:rPr lang="en-US" sz="4400">
+                <a:latin typeface="Arial"/>
+              </a:rPr>
+              <a:t>Python Hello World</a:t>
+            </a:r>
+            <a:endParaRPr/>
+          </a:p>
+        </p:txBody>
+      </p:sp>
+      <p:sp>
+        <p:nvSpPr>
+          <p:cNvPr id="41" name="CustomShape 2"/>
+          <p:cNvSpPr/>
+          <p:nvPr/>
+        </p:nvSpPr>
+        <p:spPr>
+          <a:xfrm>
+            <a:off x="504000" y="1769040"/>
+            <a:ext cx="9071280" cy="4384080"/>
+          </a:xfrm>
+          <a:prstGeom prst="rect">
+            <a:avLst/>
+          </a:prstGeom>
+          <a:noFill/>
+          <a:ln>
+            <a:noFill/>
+          </a:ln>
+        </p:spPr>
+        <p:txBody>
+          <a:bodyPr lIns="0" rIns="0" tIns="0" bIns="0"/>
+          <a:p>
+            <a:pPr>
+              <a:lnSpc>
+                <a:spcPct val="100000"/>
+              </a:lnSpc>
+              <a:buSzPct val="45000"/>
+              <a:buFont typeface="StarSymbol"/>
+              <a:buChar char="l"/>
+            </a:pPr>
+            <a:r>
+              <a:rPr lang="en-US" sz="3200">
+                <a:latin typeface="Arial"/>
+              </a:rPr>
+              <a:t>print('Hello World!')</a:t>
+            </a:r>
+            <a:endParaRPr/>
+          </a:p>
+          <a:p>
+            <a:pPr>
+              <a:lnSpc>
+                <a:spcPct val="100000"/>
+              </a:lnSpc>
+            </a:pPr>
+            <a:endParaRPr/>
+          </a:p>
+          <a:p>
+            <a:pPr>
+              <a:lnSpc>
+                <a:spcPct val="100000"/>
+              </a:lnSpc>
+              <a:buSzPct val="45000"/>
+              <a:buFont typeface="StarSymbol"/>
+              <a:buChar char="l"/>
+            </a:pPr>
+            <a:r>
+              <a:rPr lang="en-US" sz="3200">
+                <a:latin typeface="Arial"/>
+              </a:rPr>
+              <a:t>#!/usr/bin/env python</a:t>
+            </a:r>
+            <a:endParaRPr/>
+          </a:p>
+          <a:p>
+            <a:pPr>
+              <a:lnSpc>
+                <a:spcPct val="100000"/>
+              </a:lnSpc>
+              <a:buSzPct val="45000"/>
+              <a:buFont typeface="StarSymbol"/>
+              <a:buChar char="l"/>
+            </a:pPr>
+            <a:r>
+              <a:rPr lang="en-US" sz="3200">
+                <a:latin typeface="Arial"/>
+              </a:rPr>
+              <a:t>print('Hello World!')</a:t>
+            </a:r>
+            <a:endParaRPr/>
+          </a:p>
+        </p:txBody>
+      </p:sp>
+    </p:spTree>
+  </p:cSld>
+  <p:timing>
+    <p:tnLst>
+      <p:par>
+        <p:cTn id="5" dur="indefinite" restart="never" nodeType="tmRoot">
+          <p:childTnLst>
+            <p:seq>
+              <p:cTn id="6" nodeType="mainSeq"/>
+              <p:prevCondLst>
+                <p:cond delay="0" evt="onPrev">
+                  <p:tgtEl>
+                    <p:sldTgt/>
+                  </p:tgtEl>
+                </p:cond>
+              </p:prevCondLst>
+              <p:nextCondLst>
+                <p:cond delay="0" evt="onNext">
+                  <p:tgtEl>
+                    <p:sldTgt/>
+                  </p:tgtEl>
+                </p:cond>
+              </p:nextCondLst>
+            </p:seq>
+          </p:childTnLst>
+        </p:cTn>
+      </p:par>
+    </p:tnLst>
+  </p:timing>
+</p:sld>
+</file>
+
+<file path=ppt/slides/slide4.xml><?xml version="1.0" encoding="utf-8"?>
+<p:sld xmlns:a="http://schemas.openxmlformats.org/drawingml/2006/main" xmlns:p="http://schemas.openxmlformats.org/presentationml/2006/main" xmlns:r="http://schemas.openxmlformats.org/officeDocument/2006/relationships">
+  <p:cSld>
+    <p:spTree>
+      <p:nvGrpSpPr>
+        <p:cNvPr id="1" name=""/>
+        <p:cNvGrpSpPr/>
+        <p:nvPr/>
+      </p:nvGrpSpPr>
+      <p:grpSpPr>
+        <a:xfrm>
+          <a:off x="0" y="0"/>
+          <a:ext cx="0" cy="0"/>
+          <a:chOff x="0" y="0"/>
+          <a:chExt cx="0" cy="0"/>
+        </a:xfrm>
+      </p:grpSpPr>
+      <p:sp>
+        <p:nvSpPr>
+          <p:cNvPr id="42" name="TextShape 1"/>
           <p:cNvSpPr txBox="1"/>
           <p:nvPr/>
         </p:nvSpPr>
         <p:spPr>
           <a:xfrm>
             <a:off x="504000" y="301320"/>
-            <a:ext cx="9071640" cy="1262160"/>
+            <a:ext cx="9071280" cy="1262160"/>
           </a:xfrm>
           <a:prstGeom prst="rect">
             <a:avLst/>
@@ -1801,22 +1977,125 @@
               <a:rPr lang="en-US" sz="4400">
                 <a:latin typeface="Arial"/>
               </a:rPr>
-              <a:t>Python Hello World</a:t>
-            </a:r>
-            <a:endParaRPr/>
-          </a:p>
-        </p:txBody>
-      </p:sp>
-      <p:sp>
-        <p:nvSpPr>
-          <p:cNvPr id="44" name="TextShape 2"/>
+              <a:t>IDE</a:t>
+            </a:r>
+            <a:endParaRPr/>
+          </a:p>
+        </p:txBody>
+      </p:sp>
+      <p:pic>
+        <p:nvPicPr>
+          <p:cNvPr id="43" name="" descr=""/>
+          <p:cNvPicPr/>
+          <p:nvPr/>
+        </p:nvPicPr>
+        <p:blipFill>
+          <a:blip r:embed="rId1"/>
+          <a:stretch>
+            <a:fillRect/>
+          </a:stretch>
+        </p:blipFill>
+        <p:spPr>
+          <a:xfrm>
+            <a:off x="504720" y="1123920"/>
+            <a:ext cx="9162720" cy="5371920"/>
+          </a:xfrm>
+          <a:prstGeom prst="rect">
+            <a:avLst/>
+          </a:prstGeom>
+          <a:ln>
+            <a:noFill/>
+          </a:ln>
+        </p:spPr>
+      </p:pic>
+    </p:spTree>
+  </p:cSld>
+  <p:timing>
+    <p:tnLst>
+      <p:par>
+        <p:cTn id="7" dur="indefinite" restart="never" nodeType="tmRoot">
+          <p:childTnLst>
+            <p:seq>
+              <p:cTn id="8" nodeType="mainSeq"/>
+              <p:prevCondLst>
+                <p:cond delay="0" evt="onPrev">
+                  <p:tgtEl>
+                    <p:sldTgt/>
+                  </p:tgtEl>
+                </p:cond>
+              </p:prevCondLst>
+              <p:nextCondLst>
+                <p:cond delay="0" evt="onNext">
+                  <p:tgtEl>
+                    <p:sldTgt/>
+                  </p:tgtEl>
+                </p:cond>
+              </p:nextCondLst>
+            </p:seq>
+          </p:childTnLst>
+        </p:cTn>
+      </p:par>
+    </p:tnLst>
+  </p:timing>
+</p:sld>
+</file>
+
+<file path=ppt/slides/slide5.xml><?xml version="1.0" encoding="utf-8"?>
+<p:sld xmlns:a="http://schemas.openxmlformats.org/drawingml/2006/main" xmlns:p="http://schemas.openxmlformats.org/presentationml/2006/main" xmlns:r="http://schemas.openxmlformats.org/officeDocument/2006/relationships">
+  <p:cSld>
+    <p:spTree>
+      <p:nvGrpSpPr>
+        <p:cNvPr id="1" name=""/>
+        <p:cNvGrpSpPr/>
+        <p:nvPr/>
+      </p:nvGrpSpPr>
+      <p:grpSpPr>
+        <a:xfrm>
+          <a:off x="0" y="0"/>
+          <a:ext cx="0" cy="0"/>
+          <a:chOff x="0" y="0"/>
+          <a:chExt cx="0" cy="0"/>
+        </a:xfrm>
+      </p:grpSpPr>
+      <p:sp>
+        <p:nvSpPr>
+          <p:cNvPr id="44" name="TextShape 1"/>
           <p:cNvSpPr txBox="1"/>
           <p:nvPr/>
         </p:nvSpPr>
         <p:spPr>
           <a:xfrm>
+            <a:off x="504000" y="301320"/>
+            <a:ext cx="9071280" cy="1262160"/>
+          </a:xfrm>
+          <a:prstGeom prst="rect">
+            <a:avLst/>
+          </a:prstGeom>
+        </p:spPr>
+        <p:txBody>
+          <a:bodyPr lIns="0" rIns="0" tIns="0" bIns="0" anchor="ctr"/>
+          <a:p>
+            <a:pPr algn="ctr"/>
+            <a:r>
+              <a:rPr lang="en-US" sz="4400">
+                <a:latin typeface="Arial"/>
+              </a:rPr>
+              <a:t>数学运算和进制</a:t>
+            </a:r>
+            <a:endParaRPr/>
+          </a:p>
+        </p:txBody>
+      </p:sp>
+      <p:sp>
+        <p:nvSpPr>
+          <p:cNvPr id="45" name="TextShape 2"/>
+          <p:cNvSpPr txBox="1"/>
+          <p:nvPr/>
+        </p:nvSpPr>
+        <p:spPr>
+          <a:xfrm>
             <a:off x="504000" y="1769040"/>
-            <a:ext cx="9071640" cy="4384440"/>
+            <a:ext cx="9071280" cy="4384080"/>
           </a:xfrm>
           <a:prstGeom prst="rect">
             <a:avLst/>
@@ -1834,50 +2113,698 @@
               <a:rPr lang="en-US" sz="3200">
                 <a:latin typeface="Arial"/>
               </a:rPr>
-              <a:t>print('Hello World!')</a:t>
-            </a:r>
-            <a:endParaRPr/>
-          </a:p>
-          <a:p>
-            <a:pPr>
-              <a:buSzPct val="45000"/>
-              <a:buFont typeface="StarSymbol"/>
-              <a:buChar char=""/>
-            </a:pPr>
-            <a:endParaRPr/>
-          </a:p>
-          <a:p>
-            <a:pPr>
-              <a:buSzPct val="45000"/>
-              <a:buFont typeface="StarSymbol"/>
-              <a:buChar char=""/>
-            </a:pPr>
-            <a:r>
-              <a:rPr lang="en-US" sz="3200">
-                <a:latin typeface="Arial"/>
-              </a:rPr>
-              <a:t>#!/usr/bin/env python</a:t>
-            </a:r>
-            <a:endParaRPr/>
-          </a:p>
-          <a:p>
-            <a:pPr>
-              <a:buSzPct val="45000"/>
-              <a:buFont typeface="StarSymbol"/>
-              <a:buChar char=""/>
-            </a:pPr>
-            <a:r>
-              <a:rPr lang="en-US" sz="3200">
-                <a:latin typeface="Arial"/>
-              </a:rPr>
-              <a:t>print('Hello World!')</a:t>
-            </a:r>
+              <a:t>３＋５ </a:t>
+            </a:r>
+            <a:r>
+              <a:rPr lang="en-US" sz="3200">
+                <a:latin typeface="Arial"/>
+              </a:rPr>
+              <a:t>,  10 - 3</a:t>
+            </a:r>
+            <a:endParaRPr/>
+          </a:p>
+          <a:p>
+            <a:pPr>
+              <a:buSzPct val="45000"/>
+              <a:buFont typeface="StarSymbol"/>
+              <a:buChar char=""/>
+            </a:pPr>
+            <a:r>
+              <a:rPr lang="en-US" sz="3200">
+                <a:latin typeface="Arial"/>
+              </a:rPr>
+              <a:t>345787654323456 + 43567564345675434353</a:t>
+            </a:r>
+            <a:endParaRPr/>
+          </a:p>
+          <a:p>
+            <a:pPr>
+              <a:buSzPct val="45000"/>
+              <a:buFont typeface="StarSymbol"/>
+              <a:buChar char=""/>
+            </a:pPr>
+            <a:r>
+              <a:rPr lang="en-US" sz="3200">
+                <a:latin typeface="Arial"/>
+              </a:rPr>
+              <a:t>1 / 2 , 1.0 / 2.0 , 1 / 2.0 , 1.0 // 2.0</a:t>
+            </a:r>
+            <a:endParaRPr/>
+          </a:p>
+          <a:p>
+            <a:pPr>
+              <a:buSzPct val="45000"/>
+              <a:buFont typeface="StarSymbol"/>
+              <a:buChar char=""/>
+            </a:pPr>
+            <a:r>
+              <a:rPr lang="en-US" sz="3200">
+                <a:latin typeface="Arial"/>
+              </a:rPr>
+              <a:t>2 * 2 , 3 ** 3</a:t>
+            </a:r>
+            <a:endParaRPr/>
+          </a:p>
+          <a:p>
+            <a:pPr>
+              <a:buSzPct val="45000"/>
+              <a:buFont typeface="StarSymbol"/>
+              <a:buChar char=""/>
+            </a:pPr>
+            <a:r>
+              <a:rPr lang="en-US" sz="3200">
+                <a:latin typeface="Arial"/>
+              </a:rPr>
+              <a:t>10 % 3 , 2.75 % 0.5</a:t>
+            </a:r>
+            <a:endParaRPr/>
+          </a:p>
+          <a:p>
+            <a:pPr>
+              <a:buSzPct val="45000"/>
+              <a:buFont typeface="StarSymbol"/>
+              <a:buChar char=""/>
+            </a:pPr>
+            <a:endParaRPr/>
+          </a:p>
+          <a:p>
+            <a:pPr>
+              <a:buSzPct val="45000"/>
+              <a:buFont typeface="StarSymbol"/>
+              <a:buChar char=""/>
+            </a:pPr>
+            <a:r>
+              <a:rPr lang="en-US" sz="3200">
+                <a:latin typeface="Arial"/>
+              </a:rPr>
+              <a:t>0xAF</a:t>
+            </a:r>
+            <a:endParaRPr/>
+          </a:p>
+          <a:p>
+            <a:pPr>
+              <a:buSzPct val="45000"/>
+              <a:buFont typeface="StarSymbol"/>
+              <a:buChar char=""/>
+            </a:pPr>
+            <a:r>
+              <a:rPr lang="en-US" sz="3200">
+                <a:latin typeface="Arial"/>
+              </a:rPr>
+              <a:t>010</a:t>
+            </a:r>
+            <a:endParaRPr/>
+          </a:p>
+          <a:p>
+            <a:pPr>
+              <a:buSzPct val="45000"/>
+              <a:buFont typeface="StarSymbol"/>
+              <a:buChar char=""/>
+            </a:pPr>
+            <a:r>
+              <a:rPr lang="en-US" sz="3200">
+                <a:latin typeface="Arial"/>
+              </a:rPr>
+              <a:t>100</a:t>
+            </a:r>
+            <a:endParaRPr/>
+          </a:p>
+          <a:p>
+            <a:pPr>
+              <a:buSzPct val="45000"/>
+              <a:buFont typeface="StarSymbol"/>
+              <a:buChar char=""/>
+            </a:pPr>
             <a:endParaRPr/>
           </a:p>
         </p:txBody>
       </p:sp>
     </p:spTree>
   </p:cSld>
+  <p:timing>
+    <p:tnLst>
+      <p:par>
+        <p:cTn id="9" dur="indefinite" restart="never" nodeType="tmRoot">
+          <p:childTnLst>
+            <p:seq>
+              <p:cTn id="10" nodeType="mainSeq"/>
+              <p:prevCondLst>
+                <p:cond delay="0" evt="onPrev">
+                  <p:tgtEl>
+                    <p:sldTgt/>
+                  </p:tgtEl>
+                </p:cond>
+              </p:prevCondLst>
+              <p:nextCondLst>
+                <p:cond delay="0" evt="onNext">
+                  <p:tgtEl>
+                    <p:sldTgt/>
+                  </p:tgtEl>
+                </p:cond>
+              </p:nextCondLst>
+            </p:seq>
+          </p:childTnLst>
+        </p:cTn>
+      </p:par>
+    </p:tnLst>
+  </p:timing>
+</p:sld>
+</file>
+
+<file path=ppt/slides/slide6.xml><?xml version="1.0" encoding="utf-8"?>
+<p:sld xmlns:a="http://schemas.openxmlformats.org/drawingml/2006/main" xmlns:p="http://schemas.openxmlformats.org/presentationml/2006/main" xmlns:r="http://schemas.openxmlformats.org/officeDocument/2006/relationships">
+  <p:cSld>
+    <p:spTree>
+      <p:nvGrpSpPr>
+        <p:cNvPr id="1" name=""/>
+        <p:cNvGrpSpPr/>
+        <p:nvPr/>
+      </p:nvGrpSpPr>
+      <p:grpSpPr>
+        <a:xfrm>
+          <a:off x="0" y="0"/>
+          <a:ext cx="0" cy="0"/>
+          <a:chOff x="0" y="0"/>
+          <a:chExt cx="0" cy="0"/>
+        </a:xfrm>
+      </p:grpSpPr>
+      <p:sp>
+        <p:nvSpPr>
+          <p:cNvPr id="46" name="TextShape 1"/>
+          <p:cNvSpPr txBox="1"/>
+          <p:nvPr/>
+        </p:nvSpPr>
+        <p:spPr>
+          <a:xfrm>
+            <a:off x="504000" y="301320"/>
+            <a:ext cx="9071280" cy="1262160"/>
+          </a:xfrm>
+          <a:prstGeom prst="rect">
+            <a:avLst/>
+          </a:prstGeom>
+        </p:spPr>
+        <p:txBody>
+          <a:bodyPr lIns="0" rIns="0" tIns="0" bIns="0" anchor="ctr"/>
+          <a:p>
+            <a:pPr algn="ctr"/>
+            <a:r>
+              <a:rPr lang="en-US" sz="4400">
+                <a:latin typeface="Arial"/>
+              </a:rPr>
+              <a:t>变量</a:t>
+            </a:r>
+            <a:endParaRPr/>
+          </a:p>
+        </p:txBody>
+      </p:sp>
+      <p:sp>
+        <p:nvSpPr>
+          <p:cNvPr id="47" name="TextShape 2"/>
+          <p:cNvSpPr txBox="1"/>
+          <p:nvPr/>
+        </p:nvSpPr>
+        <p:spPr>
+          <a:xfrm>
+            <a:off x="504000" y="1769040"/>
+            <a:ext cx="9071280" cy="4384080"/>
+          </a:xfrm>
+          <a:prstGeom prst="rect">
+            <a:avLst/>
+          </a:prstGeom>
+        </p:spPr>
+        <p:txBody>
+          <a:bodyPr lIns="0" rIns="0" tIns="0" bIns="0"/>
+          <a:p>
+            <a:pPr>
+              <a:buSzPct val="45000"/>
+              <a:buFont typeface="StarSymbol"/>
+              <a:buChar char=""/>
+            </a:pPr>
+            <a:r>
+              <a:rPr lang="en-US" sz="3200">
+                <a:latin typeface="Arial"/>
+              </a:rPr>
+              <a:t>组成：数字，字母，下划线，（不能用数字开头）</a:t>
+            </a:r>
+            <a:endParaRPr/>
+          </a:p>
+          <a:p>
+            <a:pPr>
+              <a:buSzPct val="45000"/>
+              <a:buFont typeface="StarSymbol"/>
+              <a:buChar char=""/>
+            </a:pPr>
+            <a:r>
+              <a:rPr lang="en-US" sz="3200">
+                <a:latin typeface="Arial"/>
+              </a:rPr>
+              <a:t>声明变量，不需要声明类型</a:t>
+            </a:r>
+            <a:endParaRPr/>
+          </a:p>
+          <a:p>
+            <a:pPr>
+              <a:buSzPct val="45000"/>
+              <a:buFont typeface="StarSymbol"/>
+              <a:buChar char=""/>
+            </a:pPr>
+            <a:r>
+              <a:rPr lang="en-US" sz="3200">
+                <a:latin typeface="Arial"/>
+              </a:rPr>
+              <a:t>使用变量前需要赋值</a:t>
+            </a:r>
+            <a:endParaRPr/>
+          </a:p>
+          <a:p>
+            <a:pPr>
+              <a:buSzPct val="45000"/>
+              <a:buFont typeface="StarSymbol"/>
+              <a:buChar char=""/>
+            </a:pPr>
+            <a:endParaRPr/>
+          </a:p>
+          <a:p>
+            <a:pPr>
+              <a:buSzPct val="45000"/>
+              <a:buFont typeface="StarSymbol"/>
+              <a:buChar char=""/>
+            </a:pPr>
+            <a:r>
+              <a:rPr lang="en-US" sz="3200">
+                <a:latin typeface="Arial"/>
+              </a:rPr>
+              <a:t>Print val</a:t>
+            </a:r>
+            <a:endParaRPr/>
+          </a:p>
+        </p:txBody>
+      </p:sp>
+    </p:spTree>
+  </p:cSld>
+  <p:timing>
+    <p:tnLst>
+      <p:par>
+        <p:cTn id="11" dur="indefinite" restart="never" nodeType="tmRoot">
+          <p:childTnLst>
+            <p:seq>
+              <p:cTn id="12" nodeType="mainSeq"/>
+              <p:prevCondLst>
+                <p:cond delay="0" evt="onPrev">
+                  <p:tgtEl>
+                    <p:sldTgt/>
+                  </p:tgtEl>
+                </p:cond>
+              </p:prevCondLst>
+              <p:nextCondLst>
+                <p:cond delay="0" evt="onNext">
+                  <p:tgtEl>
+                    <p:sldTgt/>
+                  </p:tgtEl>
+                </p:cond>
+              </p:nextCondLst>
+            </p:seq>
+          </p:childTnLst>
+        </p:cTn>
+      </p:par>
+    </p:tnLst>
+  </p:timing>
+</p:sld>
+</file>
+
+<file path=ppt/slides/slide7.xml><?xml version="1.0" encoding="utf-8"?>
+<p:sld xmlns:a="http://schemas.openxmlformats.org/drawingml/2006/main" xmlns:p="http://schemas.openxmlformats.org/presentationml/2006/main" xmlns:r="http://schemas.openxmlformats.org/officeDocument/2006/relationships">
+  <p:cSld>
+    <p:spTree>
+      <p:nvGrpSpPr>
+        <p:cNvPr id="1" name=""/>
+        <p:cNvGrpSpPr/>
+        <p:nvPr/>
+      </p:nvGrpSpPr>
+      <p:grpSpPr>
+        <a:xfrm>
+          <a:off x="0" y="0"/>
+          <a:ext cx="0" cy="0"/>
+          <a:chOff x="0" y="0"/>
+          <a:chExt cx="0" cy="0"/>
+        </a:xfrm>
+      </p:grpSpPr>
+      <p:sp>
+        <p:nvSpPr>
+          <p:cNvPr id="48" name="TextShape 1"/>
+          <p:cNvSpPr txBox="1"/>
+          <p:nvPr/>
+        </p:nvSpPr>
+        <p:spPr>
+          <a:xfrm>
+            <a:off x="504000" y="301320"/>
+            <a:ext cx="9071280" cy="1262160"/>
+          </a:xfrm>
+          <a:prstGeom prst="rect">
+            <a:avLst/>
+          </a:prstGeom>
+        </p:spPr>
+        <p:txBody>
+          <a:bodyPr lIns="0" rIns="0" tIns="0" bIns="0" anchor="ctr"/>
+          <a:p>
+            <a:pPr algn="ctr"/>
+            <a:r>
+              <a:rPr lang="en-US" sz="4400">
+                <a:latin typeface="Arial"/>
+              </a:rPr>
+              <a:t>函数与模块</a:t>
+            </a:r>
+            <a:endParaRPr/>
+          </a:p>
+        </p:txBody>
+      </p:sp>
+      <p:sp>
+        <p:nvSpPr>
+          <p:cNvPr id="49" name="TextShape 2"/>
+          <p:cNvSpPr txBox="1"/>
+          <p:nvPr/>
+        </p:nvSpPr>
+        <p:spPr>
+          <a:xfrm>
+            <a:off x="504000" y="1769040"/>
+            <a:ext cx="9071280" cy="4384080"/>
+          </a:xfrm>
+          <a:prstGeom prst="rect">
+            <a:avLst/>
+          </a:prstGeom>
+        </p:spPr>
+        <p:txBody>
+          <a:bodyPr lIns="0" rIns="0" tIns="0" bIns="0"/>
+          <a:p>
+            <a:pPr>
+              <a:buSzPct val="45000"/>
+              <a:buFont typeface="StarSymbol"/>
+              <a:buChar char=""/>
+            </a:pPr>
+            <a:r>
+              <a:rPr lang="en-US" sz="3200">
+                <a:latin typeface="Arial"/>
+              </a:rPr>
+              <a:t>Input()</a:t>
+            </a:r>
+            <a:endParaRPr/>
+          </a:p>
+          <a:p>
+            <a:pPr>
+              <a:buSzPct val="45000"/>
+              <a:buFont typeface="StarSymbol"/>
+              <a:buChar char=""/>
+            </a:pPr>
+            <a:endParaRPr/>
+          </a:p>
+          <a:p>
+            <a:pPr>
+              <a:buSzPct val="45000"/>
+              <a:buFont typeface="StarSymbol"/>
+              <a:buChar char=""/>
+            </a:pPr>
+            <a:r>
+              <a:rPr lang="en-US" sz="3200">
+                <a:latin typeface="Arial"/>
+              </a:rPr>
+              <a:t>Import math  , math.floor(5)</a:t>
+            </a:r>
+            <a:endParaRPr/>
+          </a:p>
+          <a:p>
+            <a:pPr>
+              <a:buSzPct val="45000"/>
+              <a:buFont typeface="StarSymbol"/>
+              <a:buChar char=""/>
+            </a:pPr>
+            <a:endParaRPr/>
+          </a:p>
+          <a:p>
+            <a:pPr>
+              <a:buSzPct val="45000"/>
+              <a:buFont typeface="StarSymbol"/>
+              <a:buChar char=""/>
+            </a:pPr>
+            <a:r>
+              <a:rPr lang="en-US" sz="3200">
+                <a:latin typeface="Arial"/>
+              </a:rPr>
+              <a:t>From math import floor, floor(5)</a:t>
+            </a:r>
+            <a:endParaRPr/>
+          </a:p>
+        </p:txBody>
+      </p:sp>
+    </p:spTree>
+  </p:cSld>
+  <p:timing>
+    <p:tnLst>
+      <p:par>
+        <p:cTn id="13" dur="indefinite" restart="never" nodeType="tmRoot">
+          <p:childTnLst>
+            <p:seq>
+              <p:cTn id="14" nodeType="mainSeq"/>
+              <p:prevCondLst>
+                <p:cond delay="0" evt="onPrev">
+                  <p:tgtEl>
+                    <p:sldTgt/>
+                  </p:tgtEl>
+                </p:cond>
+              </p:prevCondLst>
+              <p:nextCondLst>
+                <p:cond delay="0" evt="onNext">
+                  <p:tgtEl>
+                    <p:sldTgt/>
+                  </p:tgtEl>
+                </p:cond>
+              </p:nextCondLst>
+            </p:seq>
+          </p:childTnLst>
+        </p:cTn>
+      </p:par>
+    </p:tnLst>
+  </p:timing>
+</p:sld>
+</file>
+
+<file path=ppt/slides/slide8.xml><?xml version="1.0" encoding="utf-8"?>
+<p:sld xmlns:a="http://schemas.openxmlformats.org/drawingml/2006/main" xmlns:p="http://schemas.openxmlformats.org/presentationml/2006/main" xmlns:r="http://schemas.openxmlformats.org/officeDocument/2006/relationships">
+  <p:cSld>
+    <p:spTree>
+      <p:nvGrpSpPr>
+        <p:cNvPr id="1" name=""/>
+        <p:cNvGrpSpPr/>
+        <p:nvPr/>
+      </p:nvGrpSpPr>
+      <p:grpSpPr>
+        <a:xfrm>
+          <a:off x="0" y="0"/>
+          <a:ext cx="0" cy="0"/>
+          <a:chOff x="0" y="0"/>
+          <a:chExt cx="0" cy="0"/>
+        </a:xfrm>
+      </p:grpSpPr>
+      <p:sp>
+        <p:nvSpPr>
+          <p:cNvPr id="50" name="TextShape 1"/>
+          <p:cNvSpPr txBox="1"/>
+          <p:nvPr/>
+        </p:nvSpPr>
+        <p:spPr>
+          <a:xfrm>
+            <a:off x="504000" y="301320"/>
+            <a:ext cx="9071280" cy="1262160"/>
+          </a:xfrm>
+          <a:prstGeom prst="rect">
+            <a:avLst/>
+          </a:prstGeom>
+        </p:spPr>
+        <p:txBody>
+          <a:bodyPr lIns="0" rIns="0" tIns="0" bIns="0" anchor="ctr"/>
+          <a:p>
+            <a:pPr algn="ctr"/>
+            <a:r>
+              <a:rPr lang="en-US" sz="4400">
+                <a:latin typeface="Arial"/>
+              </a:rPr>
+              <a:t>数据结构之序列</a:t>
+            </a:r>
+            <a:endParaRPr/>
+          </a:p>
+        </p:txBody>
+      </p:sp>
+      <p:sp>
+        <p:nvSpPr>
+          <p:cNvPr id="51" name="TextShape 2"/>
+          <p:cNvSpPr txBox="1"/>
+          <p:nvPr/>
+        </p:nvSpPr>
+        <p:spPr>
+          <a:xfrm>
+            <a:off x="504000" y="1769040"/>
+            <a:ext cx="9071280" cy="4384080"/>
+          </a:xfrm>
+          <a:prstGeom prst="rect">
+            <a:avLst/>
+          </a:prstGeom>
+        </p:spPr>
+        <p:txBody>
+          <a:bodyPr lIns="0" rIns="0" tIns="0" bIns="0"/>
+          <a:p>
+            <a:pPr>
+              <a:buSzPct val="45000"/>
+              <a:buFont typeface="StarSymbol"/>
+              <a:buChar char=""/>
+            </a:pPr>
+            <a:r>
+              <a:rPr lang="en-US" sz="3200">
+                <a:latin typeface="Arial"/>
+              </a:rPr>
+              <a:t>序列类型：</a:t>
+            </a:r>
+            <a:endParaRPr/>
+          </a:p>
+          <a:p>
+            <a:pPr>
+              <a:buSzPct val="45000"/>
+              <a:buFont typeface="StarSymbol"/>
+              <a:buChar char=""/>
+            </a:pPr>
+            <a:r>
+              <a:rPr lang="en-US" sz="3200">
+                <a:latin typeface="Arial"/>
+              </a:rPr>
+              <a:t>字符串</a:t>
+            </a:r>
+            <a:endParaRPr/>
+          </a:p>
+          <a:p>
+            <a:pPr>
+              <a:buSzPct val="45000"/>
+              <a:buFont typeface="StarSymbol"/>
+              <a:buChar char=""/>
+            </a:pPr>
+            <a:r>
+              <a:rPr lang="en-US" sz="3200">
+                <a:latin typeface="Arial"/>
+              </a:rPr>
+              <a:t>Unicode</a:t>
+            </a:r>
+            <a:r>
+              <a:rPr lang="en-US" sz="3200">
+                <a:latin typeface="Arial"/>
+              </a:rPr>
+              <a:t>字符串</a:t>
+            </a:r>
+            <a:endParaRPr/>
+          </a:p>
+          <a:p>
+            <a:pPr>
+              <a:buSzPct val="45000"/>
+              <a:buFont typeface="StarSymbol"/>
+              <a:buChar char=""/>
+            </a:pPr>
+            <a:r>
+              <a:rPr lang="en-US" sz="3200">
+                <a:latin typeface="Arial"/>
+              </a:rPr>
+              <a:t>buffer</a:t>
+            </a:r>
+            <a:r>
+              <a:rPr lang="en-US" sz="3200">
+                <a:latin typeface="Arial"/>
+              </a:rPr>
+              <a:t>对象</a:t>
+            </a:r>
+            <a:endParaRPr/>
+          </a:p>
+          <a:p>
+            <a:pPr>
+              <a:buSzPct val="45000"/>
+              <a:buFont typeface="StarSymbol"/>
+              <a:buChar char=""/>
+            </a:pPr>
+            <a:r>
+              <a:rPr lang="en-US" sz="3200">
+                <a:latin typeface="Arial"/>
+              </a:rPr>
+              <a:t>xrange </a:t>
+            </a:r>
+            <a:r>
+              <a:rPr lang="en-US" sz="3200">
+                <a:latin typeface="Arial"/>
+              </a:rPr>
+              <a:t>对象</a:t>
+            </a:r>
+            <a:endParaRPr/>
+          </a:p>
+          <a:p>
+            <a:pPr>
+              <a:buSzPct val="45000"/>
+              <a:buFont typeface="StarSymbol"/>
+              <a:buChar char=""/>
+            </a:pPr>
+            <a:r>
+              <a:rPr lang="en-US" sz="3200">
+                <a:latin typeface="Arial"/>
+              </a:rPr>
+              <a:t>列表</a:t>
+            </a:r>
+            <a:endParaRPr/>
+          </a:p>
+          <a:p>
+            <a:pPr>
+              <a:buSzPct val="45000"/>
+              <a:buFont typeface="StarSymbol"/>
+              <a:buChar char=""/>
+            </a:pPr>
+            <a:r>
+              <a:rPr lang="en-US" sz="3200">
+                <a:latin typeface="Arial"/>
+              </a:rPr>
+              <a:t>元组</a:t>
+            </a:r>
+            <a:endParaRPr/>
+          </a:p>
+          <a:p>
+            <a:pPr>
+              <a:buSzPct val="45000"/>
+              <a:buFont typeface="StarSymbol"/>
+              <a:buChar char=""/>
+            </a:pPr>
+            <a:endParaRPr/>
+          </a:p>
+        </p:txBody>
+      </p:sp>
+    </p:spTree>
+  </p:cSld>
+  <p:timing>
+    <p:tnLst>
+      <p:par>
+        <p:cTn id="15" dur="indefinite" restart="never" nodeType="tmRoot">
+          <p:childTnLst>
+            <p:seq>
+              <p:cTn id="16" nodeType="mainSeq"/>
+              <p:prevCondLst>
+                <p:cond delay="0" evt="onPrev">
+                  <p:tgtEl>
+                    <p:sldTgt/>
+                  </p:tgtEl>
+                </p:cond>
+              </p:prevCondLst>
+              <p:nextCondLst>
+                <p:cond delay="0" evt="onNext">
+                  <p:tgtEl>
+                    <p:sldTgt/>
+                  </p:tgtEl>
+                </p:cond>
+              </p:nextCondLst>
+            </p:seq>
+          </p:childTnLst>
+        </p:cTn>
+      </p:par>
+    </p:tnLst>
+  </p:timing>
 </p:sld>
 </file>
 
